--- a/ML_Project_Nhom1.pptx
+++ b/ML_Project_Nhom1.pptx
@@ -7314,41 +7314,7 @@
                 <a:ea typeface="Lato" panose="020F0502020204030203" pitchFamily="34" charset="0"/>
                 <a:cs typeface="Times New Roman" panose="02020603050405020304" pitchFamily="18" charset="0"/>
               </a:rPr>
-              <a:t>Giảng viên hướng dẫn: 	TS. </a:t>
-            </a:r>
-            <a:r>
-              <a:rPr kumimoji="0" lang="en-US" sz="1800" b="1" i="0" u="none" strike="noStrike" kern="1200" cap="none" spc="0" normalizeH="0" baseline="0" noProof="0" dirty="0" err="1">
-                <a:ln>
-                  <a:noFill/>
-                </a:ln>
-                <a:solidFill>
-                  <a:prstClr val="black"/>
-                </a:solidFill>
-                <a:effectLst/>
-                <a:uLnTx/>
-                <a:uFillTx/>
-                <a:latin typeface="Arial"/>
-                <a:ea typeface="Lato" panose="020F0502020204030203" pitchFamily="34" charset="0"/>
-                <a:cs typeface="Times New Roman" panose="02020603050405020304" pitchFamily="18" charset="0"/>
-              </a:rPr>
-              <a:t>Nguyễn</a:t>
-            </a:r>
-            <a:r>
-              <a:rPr kumimoji="0" lang="en-US" sz="1800" b="1" i="0" u="none" strike="noStrike" kern="1200" cap="none" spc="0" normalizeH="0" baseline="0" noProof="0" dirty="0">
-                <a:ln>
-                  <a:noFill/>
-                </a:ln>
-                <a:solidFill>
-                  <a:prstClr val="black"/>
-                </a:solidFill>
-                <a:effectLst/>
-                <a:uLnTx/>
-                <a:uFillTx/>
-                <a:latin typeface="Arial"/>
-                <a:ea typeface="Lato" panose="020F0502020204030203" pitchFamily="34" charset="0"/>
-                <a:cs typeface="Times New Roman" panose="02020603050405020304" pitchFamily="18" charset="0"/>
-              </a:rPr>
-              <a:t> Nhật Quang</a:t>
+              <a:t>Giảng viên hướng dẫn: 	PGS. TS. Thân Quang Khoát</a:t>
             </a:r>
           </a:p>
           <a:p>
